--- a/TarlerFinalPresentation.pptx
+++ b/TarlerFinalPresentation.pptx
@@ -4523,7 +4523,7 @@
           <a:p>
             <a:r>
               <a:rPr lang="en-US" dirty="0"/>
-              <a:t>Reinforcement Learning: Deep Applications to Q-Networks</a:t>
+              <a:t>Reinforcement Learning: Deep Applications to Q-Learning</a:t>
             </a:r>
           </a:p>
         </p:txBody>
@@ -4558,22 +4558,13 @@
           </a:p>
           <a:p>
             <a:r>
+              <a:rPr lang="en-US"/>
+              <a:t>MSDS Practicum </a:t>
+            </a:r>
+            <a:r>
               <a:rPr lang="en-US" dirty="0"/>
-              <a:t>MSDS </a:t>
-            </a:r>
-            <a:r>
-              <a:rPr lang="en-US" dirty="0" err="1"/>
-              <a:t>Practicuum</a:t>
-            </a:r>
-            <a:r>
-              <a:rPr lang="en-US" dirty="0"/>
-              <a:t> #2: </a:t>
-            </a:r>
-            <a:r>
-              <a:rPr lang="en-US"/>
-              <a:t>Regis University</a:t>
-            </a:r>
-            <a:endParaRPr lang="en-US" dirty="0"/>
+              <a:t>#2: Regis University</a:t>
+            </a:r>
           </a:p>
           <a:p>
             <a:r>
@@ -4583,6 +4574,44 @@
           </a:p>
         </p:txBody>
       </p:sp>
+      <p:pic>
+        <p:nvPicPr>
+          <p:cNvPr id="7" name="Audio 6">
+            <a:hlinkClick r:id="" action="ppaction://media"/>
+            <a:extLst>
+              <a:ext uri="{FF2B5EF4-FFF2-40B4-BE49-F238E27FC236}">
+                <a16:creationId xmlns:a16="http://schemas.microsoft.com/office/drawing/2014/main" id="{B69C0AA8-538D-FC4B-9844-D647BDE52B35}"/>
+              </a:ext>
+            </a:extLst>
+          </p:cNvPr>
+          <p:cNvPicPr>
+            <a:picLocks noChangeAspect="1"/>
+          </p:cNvPicPr>
+          <p:nvPr>
+            <a:audioFile r:link="rId2"/>
+            <p:extLst>
+              <p:ext uri="{DAA4B4D4-6D71-4841-9C94-3DE7FCFB9230}">
+                <p14:media xmlns:p14="http://schemas.microsoft.com/office/powerpoint/2010/main" r:embed="rId1"/>
+              </p:ext>
+            </p:extLst>
+          </p:nvPr>
+        </p:nvPicPr>
+        <p:blipFill>
+          <a:blip r:embed="rId4"/>
+          <a:stretch>
+            <a:fillRect/>
+          </a:stretch>
+        </p:blipFill>
+        <p:spPr>
+          <a:xfrm>
+            <a:off x="11226800" y="5892800"/>
+            <a:ext cx="812800" cy="812800"/>
+          </a:xfrm>
+          <a:prstGeom prst="rect">
+            <a:avLst/>
+          </a:prstGeom>
+        </p:spPr>
+      </p:pic>
     </p:spTree>
     <p:extLst>
       <p:ext uri="{BB962C8B-B14F-4D97-AF65-F5344CB8AC3E}">
@@ -4593,6 +4622,101 @@
   <p:clrMapOvr>
     <a:masterClrMapping/>
   </p:clrMapOvr>
+  <mc:AlternateContent xmlns:mc="http://schemas.openxmlformats.org/markup-compatibility/2006">
+    <mc:Choice xmlns:p14="http://schemas.microsoft.com/office/powerpoint/2010/main" Requires="p14">
+      <p:transition spd="slow" p14:dur="2000" advTm="20124"/>
+    </mc:Choice>
+    <mc:Fallback>
+      <p:transition spd="slow" advTm="20124"/>
+    </mc:Fallback>
+  </mc:AlternateContent>
+  <p:timing>
+    <p:tnLst>
+      <p:par>
+        <p:cTn id="1" dur="indefinite" restart="never" nodeType="tmRoot">
+          <p:childTnLst>
+            <p:seq concurrent="1" nextAc="seek">
+              <p:cTn id="2" dur="indefinite" nodeType="mainSeq">
+                <p:childTnLst>
+                  <p:par>
+                    <p:cTn id="3" fill="hold">
+                      <p:stCondLst>
+                        <p:cond delay="indefinite"/>
+                        <p:cond evt="onBegin" delay="0">
+                          <p:tn val="2"/>
+                        </p:cond>
+                      </p:stCondLst>
+                      <p:childTnLst>
+                        <p:par>
+                          <p:cTn id="4" fill="hold">
+                            <p:stCondLst>
+                              <p:cond delay="0"/>
+                            </p:stCondLst>
+                            <p:childTnLst>
+                              <p:par>
+                                <p:cTn id="5" presetID="1" presetClass="mediacall" presetSubtype="0" fill="hold" nodeType="afterEffect">
+                                  <p:stCondLst>
+                                    <p:cond delay="0"/>
+                                  </p:stCondLst>
+                                  <p:childTnLst>
+                                    <p:cmd type="call" cmd="playFrom(0.0)">
+                                      <p:cBhvr>
+                                        <p:cTn id="6" dur="1" fill="hold"/>
+                                        <p:tgtEl>
+                                          <p:spTgt spid="7"/>
+                                        </p:tgtEl>
+                                      </p:cBhvr>
+                                    </p:cmd>
+                                  </p:childTnLst>
+                                </p:cTn>
+                              </p:par>
+                            </p:childTnLst>
+                          </p:cTn>
+                        </p:par>
+                      </p:childTnLst>
+                    </p:cTn>
+                  </p:par>
+                </p:childTnLst>
+              </p:cTn>
+              <p:prevCondLst>
+                <p:cond evt="onPrev" delay="0">
+                  <p:tgtEl>
+                    <p:sldTgt/>
+                  </p:tgtEl>
+                </p:cond>
+              </p:prevCondLst>
+              <p:nextCondLst>
+                <p:cond evt="onNext" delay="0">
+                  <p:tgtEl>
+                    <p:sldTgt/>
+                  </p:tgtEl>
+                </p:cond>
+              </p:nextCondLst>
+            </p:seq>
+            <p:audio isNarration="1">
+              <p:cMediaNode vol="80000" showWhenStopped="0">
+                <p:cTn id="7" fill="hold" display="0">
+                  <p:stCondLst>
+                    <p:cond delay="indefinite"/>
+                  </p:stCondLst>
+                  <p:endCondLst>
+                    <p:cond evt="onStopAudio" delay="0">
+                      <p:tgtEl>
+                        <p:sldTgt/>
+                      </p:tgtEl>
+                    </p:cond>
+                  </p:endCondLst>
+                </p:cTn>
+                <p:tgtEl>
+                  <p:spTgt spid="7"/>
+                </p:tgtEl>
+              </p:cMediaNode>
+            </p:audio>
+          </p:childTnLst>
+        </p:cTn>
+      </p:par>
+    </p:tnLst>
+  </p:timing>
 </p:sld>
 </file>
 
@@ -4690,6 +4814,44 @@
           </a:p>
         </p:txBody>
       </p:sp>
+      <p:pic>
+        <p:nvPicPr>
+          <p:cNvPr id="6" name="Audio 5">
+            <a:hlinkClick r:id="" action="ppaction://media"/>
+            <a:extLst>
+              <a:ext uri="{FF2B5EF4-FFF2-40B4-BE49-F238E27FC236}">
+                <a16:creationId xmlns:a16="http://schemas.microsoft.com/office/drawing/2014/main" id="{792C073A-3EA3-C14C-BD9F-24FF0B2CAC0F}"/>
+              </a:ext>
+            </a:extLst>
+          </p:cNvPr>
+          <p:cNvPicPr>
+            <a:picLocks noChangeAspect="1"/>
+          </p:cNvPicPr>
+          <p:nvPr>
+            <a:audioFile r:link="rId2"/>
+            <p:extLst>
+              <p:ext uri="{DAA4B4D4-6D71-4841-9C94-3DE7FCFB9230}">
+                <p14:media xmlns:p14="http://schemas.microsoft.com/office/powerpoint/2010/main" r:embed="rId1"/>
+              </p:ext>
+            </p:extLst>
+          </p:nvPr>
+        </p:nvPicPr>
+        <p:blipFill>
+          <a:blip r:embed="rId4"/>
+          <a:stretch>
+            <a:fillRect/>
+          </a:stretch>
+        </p:blipFill>
+        <p:spPr>
+          <a:xfrm>
+            <a:off x="11226800" y="5892800"/>
+            <a:ext cx="812800" cy="812800"/>
+          </a:xfrm>
+          <a:prstGeom prst="rect">
+            <a:avLst/>
+          </a:prstGeom>
+        </p:spPr>
+      </p:pic>
     </p:spTree>
     <p:extLst>
       <p:ext uri="{BB962C8B-B14F-4D97-AF65-F5344CB8AC3E}">
@@ -4700,6 +4862,101 @@
   <p:clrMapOvr>
     <a:masterClrMapping/>
   </p:clrMapOvr>
+  <mc:AlternateContent xmlns:mc="http://schemas.openxmlformats.org/markup-compatibility/2006">
+    <mc:Choice xmlns:p14="http://schemas.microsoft.com/office/powerpoint/2010/main" Requires="p14">
+      <p:transition spd="slow" p14:dur="2000" advTm="38030"/>
+    </mc:Choice>
+    <mc:Fallback>
+      <p:transition spd="slow" advTm="38030"/>
+    </mc:Fallback>
+  </mc:AlternateContent>
+  <p:timing>
+    <p:tnLst>
+      <p:par>
+        <p:cTn id="1" dur="indefinite" restart="never" nodeType="tmRoot">
+          <p:childTnLst>
+            <p:seq concurrent="1" nextAc="seek">
+              <p:cTn id="2" dur="indefinite" nodeType="mainSeq">
+                <p:childTnLst>
+                  <p:par>
+                    <p:cTn id="3" fill="hold">
+                      <p:stCondLst>
+                        <p:cond delay="indefinite"/>
+                        <p:cond evt="onBegin" delay="0">
+                          <p:tn val="2"/>
+                        </p:cond>
+                      </p:stCondLst>
+                      <p:childTnLst>
+                        <p:par>
+                          <p:cTn id="4" fill="hold">
+                            <p:stCondLst>
+                              <p:cond delay="0"/>
+                            </p:stCondLst>
+                            <p:childTnLst>
+                              <p:par>
+                                <p:cTn id="5" presetID="1" presetClass="mediacall" presetSubtype="0" fill="hold" nodeType="afterEffect">
+                                  <p:stCondLst>
+                                    <p:cond delay="0"/>
+                                  </p:stCondLst>
+                                  <p:childTnLst>
+                                    <p:cmd type="call" cmd="playFrom(0.0)">
+                                      <p:cBhvr>
+                                        <p:cTn id="6" dur="1" fill="hold"/>
+                                        <p:tgtEl>
+                                          <p:spTgt spid="6"/>
+                                        </p:tgtEl>
+                                      </p:cBhvr>
+                                    </p:cmd>
+                                  </p:childTnLst>
+                                </p:cTn>
+                              </p:par>
+                            </p:childTnLst>
+                          </p:cTn>
+                        </p:par>
+                      </p:childTnLst>
+                    </p:cTn>
+                  </p:par>
+                </p:childTnLst>
+              </p:cTn>
+              <p:prevCondLst>
+                <p:cond evt="onPrev" delay="0">
+                  <p:tgtEl>
+                    <p:sldTgt/>
+                  </p:tgtEl>
+                </p:cond>
+              </p:prevCondLst>
+              <p:nextCondLst>
+                <p:cond evt="onNext" delay="0">
+                  <p:tgtEl>
+                    <p:sldTgt/>
+                  </p:tgtEl>
+                </p:cond>
+              </p:nextCondLst>
+            </p:seq>
+            <p:audio isNarration="1">
+              <p:cMediaNode vol="80000" showWhenStopped="0">
+                <p:cTn id="7" fill="hold" display="0">
+                  <p:stCondLst>
+                    <p:cond delay="indefinite"/>
+                  </p:stCondLst>
+                  <p:endCondLst>
+                    <p:cond evt="onStopAudio" delay="0">
+                      <p:tgtEl>
+                        <p:sldTgt/>
+                      </p:tgtEl>
+                    </p:cond>
+                  </p:endCondLst>
+                </p:cTn>
+                <p:tgtEl>
+                  <p:spTgt spid="6"/>
+                </p:tgtEl>
+              </p:cMediaNode>
+            </p:audio>
+          </p:childTnLst>
+        </p:cTn>
+      </p:par>
+    </p:tnLst>
+  </p:timing>
 </p:sld>
 </file>
 
@@ -4875,6 +5132,44 @@
           </a:p>
         </p:txBody>
       </p:sp>
+      <p:pic>
+        <p:nvPicPr>
+          <p:cNvPr id="8" name="Audio 7">
+            <a:hlinkClick r:id="" action="ppaction://media"/>
+            <a:extLst>
+              <a:ext uri="{FF2B5EF4-FFF2-40B4-BE49-F238E27FC236}">
+                <a16:creationId xmlns:a16="http://schemas.microsoft.com/office/drawing/2014/main" id="{C1D5E78C-29B0-0F42-BF1A-7807579289D2}"/>
+              </a:ext>
+            </a:extLst>
+          </p:cNvPr>
+          <p:cNvPicPr>
+            <a:picLocks noChangeAspect="1"/>
+          </p:cNvPicPr>
+          <p:nvPr>
+            <a:audioFile r:link="rId2"/>
+            <p:extLst>
+              <p:ext uri="{DAA4B4D4-6D71-4841-9C94-3DE7FCFB9230}">
+                <p14:media xmlns:p14="http://schemas.microsoft.com/office/powerpoint/2010/main" r:embed="rId1"/>
+              </p:ext>
+            </p:extLst>
+          </p:nvPr>
+        </p:nvPicPr>
+        <p:blipFill>
+          <a:blip r:embed="rId4"/>
+          <a:stretch>
+            <a:fillRect/>
+          </a:stretch>
+        </p:blipFill>
+        <p:spPr>
+          <a:xfrm>
+            <a:off x="11226800" y="5892800"/>
+            <a:ext cx="812800" cy="812800"/>
+          </a:xfrm>
+          <a:prstGeom prst="rect">
+            <a:avLst/>
+          </a:prstGeom>
+        </p:spPr>
+      </p:pic>
     </p:spTree>
     <p:extLst>
       <p:ext uri="{BB962C8B-B14F-4D97-AF65-F5344CB8AC3E}">
@@ -4885,6 +5180,101 @@
   <p:clrMapOvr>
     <a:masterClrMapping/>
   </p:clrMapOvr>
+  <mc:AlternateContent xmlns:mc="http://schemas.openxmlformats.org/markup-compatibility/2006">
+    <mc:Choice xmlns:p14="http://schemas.microsoft.com/office/powerpoint/2010/main" Requires="p14">
+      <p:transition spd="slow" p14:dur="2000" advTm="137740"/>
+    </mc:Choice>
+    <mc:Fallback>
+      <p:transition spd="slow" advTm="137740"/>
+    </mc:Fallback>
+  </mc:AlternateContent>
+  <p:timing>
+    <p:tnLst>
+      <p:par>
+        <p:cTn id="1" dur="indefinite" restart="never" nodeType="tmRoot">
+          <p:childTnLst>
+            <p:seq concurrent="1" nextAc="seek">
+              <p:cTn id="2" dur="indefinite" nodeType="mainSeq">
+                <p:childTnLst>
+                  <p:par>
+                    <p:cTn id="3" fill="hold">
+                      <p:stCondLst>
+                        <p:cond delay="indefinite"/>
+                        <p:cond evt="onBegin" delay="0">
+                          <p:tn val="2"/>
+                        </p:cond>
+                      </p:stCondLst>
+                      <p:childTnLst>
+                        <p:par>
+                          <p:cTn id="4" fill="hold">
+                            <p:stCondLst>
+                              <p:cond delay="0"/>
+                            </p:stCondLst>
+                            <p:childTnLst>
+                              <p:par>
+                                <p:cTn id="5" presetID="1" presetClass="mediacall" presetSubtype="0" fill="hold" nodeType="afterEffect">
+                                  <p:stCondLst>
+                                    <p:cond delay="0"/>
+                                  </p:stCondLst>
+                                  <p:childTnLst>
+                                    <p:cmd type="call" cmd="playFrom(0.0)">
+                                      <p:cBhvr>
+                                        <p:cTn id="6" dur="1" fill="hold"/>
+                                        <p:tgtEl>
+                                          <p:spTgt spid="8"/>
+                                        </p:tgtEl>
+                                      </p:cBhvr>
+                                    </p:cmd>
+                                  </p:childTnLst>
+                                </p:cTn>
+                              </p:par>
+                            </p:childTnLst>
+                          </p:cTn>
+                        </p:par>
+                      </p:childTnLst>
+                    </p:cTn>
+                  </p:par>
+                </p:childTnLst>
+              </p:cTn>
+              <p:prevCondLst>
+                <p:cond evt="onPrev" delay="0">
+                  <p:tgtEl>
+                    <p:sldTgt/>
+                  </p:tgtEl>
+                </p:cond>
+              </p:prevCondLst>
+              <p:nextCondLst>
+                <p:cond evt="onNext" delay="0">
+                  <p:tgtEl>
+                    <p:sldTgt/>
+                  </p:tgtEl>
+                </p:cond>
+              </p:nextCondLst>
+            </p:seq>
+            <p:audio isNarration="1">
+              <p:cMediaNode vol="80000" showWhenStopped="0">
+                <p:cTn id="7" fill="hold" display="0">
+                  <p:stCondLst>
+                    <p:cond delay="indefinite"/>
+                  </p:stCondLst>
+                  <p:endCondLst>
+                    <p:cond evt="onStopAudio" delay="0">
+                      <p:tgtEl>
+                        <p:sldTgt/>
+                      </p:tgtEl>
+                    </p:cond>
+                  </p:endCondLst>
+                </p:cTn>
+                <p:tgtEl>
+                  <p:spTgt spid="8"/>
+                </p:tgtEl>
+              </p:cMediaNode>
+            </p:audio>
+          </p:childTnLst>
+        </p:cTn>
+      </p:par>
+    </p:tnLst>
+  </p:timing>
 </p:sld>
 </file>
 
@@ -5516,7 +5906,7 @@
             </p:nvSpPr>
             <p:spPr>
               <a:blipFill>
-                <a:blip r:embed="rId2"/>
+                <a:blip r:embed="rId4"/>
                 <a:stretch>
                   <a:fillRect l="-163"/>
                 </a:stretch>
@@ -5537,6 +5927,44 @@
           </p:sp>
         </mc:Fallback>
       </mc:AlternateContent>
+      <p:pic>
+        <p:nvPicPr>
+          <p:cNvPr id="7" name="Audio 6">
+            <a:hlinkClick r:id="" action="ppaction://media"/>
+            <a:extLst>
+              <a:ext uri="{FF2B5EF4-FFF2-40B4-BE49-F238E27FC236}">
+                <a16:creationId xmlns:a16="http://schemas.microsoft.com/office/drawing/2014/main" id="{078ED09E-2028-0A45-B66F-2B1EAA34389A}"/>
+              </a:ext>
+            </a:extLst>
+          </p:cNvPr>
+          <p:cNvPicPr>
+            <a:picLocks noChangeAspect="1"/>
+          </p:cNvPicPr>
+          <p:nvPr>
+            <a:audioFile r:link="rId2"/>
+            <p:extLst>
+              <p:ext uri="{DAA4B4D4-6D71-4841-9C94-3DE7FCFB9230}">
+                <p14:media xmlns:p14="http://schemas.microsoft.com/office/powerpoint/2010/main" r:embed="rId1"/>
+              </p:ext>
+            </p:extLst>
+          </p:nvPr>
+        </p:nvPicPr>
+        <p:blipFill>
+          <a:blip r:embed="rId5"/>
+          <a:stretch>
+            <a:fillRect/>
+          </a:stretch>
+        </p:blipFill>
+        <p:spPr>
+          <a:xfrm>
+            <a:off x="11226800" y="5892800"/>
+            <a:ext cx="812800" cy="812800"/>
+          </a:xfrm>
+          <a:prstGeom prst="rect">
+            <a:avLst/>
+          </a:prstGeom>
+        </p:spPr>
+      </p:pic>
     </p:spTree>
     <p:extLst>
       <p:ext uri="{BB962C8B-B14F-4D97-AF65-F5344CB8AC3E}">
@@ -5547,6 +5975,101 @@
   <p:clrMapOvr>
     <a:masterClrMapping/>
   </p:clrMapOvr>
+  <mc:AlternateContent xmlns:mc="http://schemas.openxmlformats.org/markup-compatibility/2006">
+    <mc:Choice xmlns:p14="http://schemas.microsoft.com/office/powerpoint/2010/main" Requires="p14">
+      <p:transition spd="slow" p14:dur="2000" advTm="140600"/>
+    </mc:Choice>
+    <mc:Fallback>
+      <p:transition spd="slow" advTm="140600"/>
+    </mc:Fallback>
+  </mc:AlternateContent>
+  <p:timing>
+    <p:tnLst>
+      <p:par>
+        <p:cTn id="1" dur="indefinite" restart="never" nodeType="tmRoot">
+          <p:childTnLst>
+            <p:seq concurrent="1" nextAc="seek">
+              <p:cTn id="2" dur="indefinite" nodeType="mainSeq">
+                <p:childTnLst>
+                  <p:par>
+                    <p:cTn id="3" fill="hold">
+                      <p:stCondLst>
+                        <p:cond delay="indefinite"/>
+                        <p:cond evt="onBegin" delay="0">
+                          <p:tn val="2"/>
+                        </p:cond>
+                      </p:stCondLst>
+                      <p:childTnLst>
+                        <p:par>
+                          <p:cTn id="4" fill="hold">
+                            <p:stCondLst>
+                              <p:cond delay="0"/>
+                            </p:stCondLst>
+                            <p:childTnLst>
+                              <p:par>
+                                <p:cTn id="5" presetID="1" presetClass="mediacall" presetSubtype="0" fill="hold" nodeType="afterEffect">
+                                  <p:stCondLst>
+                                    <p:cond delay="0"/>
+                                  </p:stCondLst>
+                                  <p:childTnLst>
+                                    <p:cmd type="call" cmd="playFrom(0.0)">
+                                      <p:cBhvr>
+                                        <p:cTn id="6" dur="1" fill="hold"/>
+                                        <p:tgtEl>
+                                          <p:spTgt spid="7"/>
+                                        </p:tgtEl>
+                                      </p:cBhvr>
+                                    </p:cmd>
+                                  </p:childTnLst>
+                                </p:cTn>
+                              </p:par>
+                            </p:childTnLst>
+                          </p:cTn>
+                        </p:par>
+                      </p:childTnLst>
+                    </p:cTn>
+                  </p:par>
+                </p:childTnLst>
+              </p:cTn>
+              <p:prevCondLst>
+                <p:cond evt="onPrev" delay="0">
+                  <p:tgtEl>
+                    <p:sldTgt/>
+                  </p:tgtEl>
+                </p:cond>
+              </p:prevCondLst>
+              <p:nextCondLst>
+                <p:cond evt="onNext" delay="0">
+                  <p:tgtEl>
+                    <p:sldTgt/>
+                  </p:tgtEl>
+                </p:cond>
+              </p:nextCondLst>
+            </p:seq>
+            <p:audio isNarration="1">
+              <p:cMediaNode vol="80000" showWhenStopped="0">
+                <p:cTn id="7" fill="hold" display="0">
+                  <p:stCondLst>
+                    <p:cond delay="indefinite"/>
+                  </p:stCondLst>
+                  <p:endCondLst>
+                    <p:cond evt="onStopAudio" delay="0">
+                      <p:tgtEl>
+                        <p:sldTgt/>
+                      </p:tgtEl>
+                    </p:cond>
+                  </p:endCondLst>
+                </p:cTn>
+                <p:tgtEl>
+                  <p:spTgt spid="7"/>
+                </p:tgtEl>
+              </p:cMediaNode>
+            </p:audio>
+          </p:childTnLst>
+        </p:cTn>
+      </p:par>
+    </p:tnLst>
+  </p:timing>
 </p:sld>
 </file>
 
@@ -5672,6 +6195,44 @@
           </a:p>
         </p:txBody>
       </p:sp>
+      <p:pic>
+        <p:nvPicPr>
+          <p:cNvPr id="6" name="Audio 5">
+            <a:hlinkClick r:id="" action="ppaction://media"/>
+            <a:extLst>
+              <a:ext uri="{FF2B5EF4-FFF2-40B4-BE49-F238E27FC236}">
+                <a16:creationId xmlns:a16="http://schemas.microsoft.com/office/drawing/2014/main" id="{5CEBBDB3-7B52-184C-8BFB-A8F2D2C1FC23}"/>
+              </a:ext>
+            </a:extLst>
+          </p:cNvPr>
+          <p:cNvPicPr>
+            <a:picLocks noChangeAspect="1"/>
+          </p:cNvPicPr>
+          <p:nvPr>
+            <a:audioFile r:link="rId2"/>
+            <p:extLst>
+              <p:ext uri="{DAA4B4D4-6D71-4841-9C94-3DE7FCFB9230}">
+                <p14:media xmlns:p14="http://schemas.microsoft.com/office/powerpoint/2010/main" r:embed="rId1"/>
+              </p:ext>
+            </p:extLst>
+          </p:nvPr>
+        </p:nvPicPr>
+        <p:blipFill>
+          <a:blip r:embed="rId4"/>
+          <a:stretch>
+            <a:fillRect/>
+          </a:stretch>
+        </p:blipFill>
+        <p:spPr>
+          <a:xfrm>
+            <a:off x="11226800" y="5892800"/>
+            <a:ext cx="812800" cy="812800"/>
+          </a:xfrm>
+          <a:prstGeom prst="rect">
+            <a:avLst/>
+          </a:prstGeom>
+        </p:spPr>
+      </p:pic>
     </p:spTree>
     <p:extLst>
       <p:ext uri="{BB962C8B-B14F-4D97-AF65-F5344CB8AC3E}">
@@ -5682,6 +6243,101 @@
   <p:clrMapOvr>
     <a:masterClrMapping/>
   </p:clrMapOvr>
+  <mc:AlternateContent xmlns:mc="http://schemas.openxmlformats.org/markup-compatibility/2006">
+    <mc:Choice xmlns:p14="http://schemas.microsoft.com/office/powerpoint/2010/main" Requires="p14">
+      <p:transition spd="slow" p14:dur="2000" advTm="116855"/>
+    </mc:Choice>
+    <mc:Fallback>
+      <p:transition spd="slow" advTm="116855"/>
+    </mc:Fallback>
+  </mc:AlternateContent>
+  <p:timing>
+    <p:tnLst>
+      <p:par>
+        <p:cTn id="1" dur="indefinite" restart="never" nodeType="tmRoot">
+          <p:childTnLst>
+            <p:seq concurrent="1" nextAc="seek">
+              <p:cTn id="2" dur="indefinite" nodeType="mainSeq">
+                <p:childTnLst>
+                  <p:par>
+                    <p:cTn id="3" fill="hold">
+                      <p:stCondLst>
+                        <p:cond delay="indefinite"/>
+                        <p:cond evt="onBegin" delay="0">
+                          <p:tn val="2"/>
+                        </p:cond>
+                      </p:stCondLst>
+                      <p:childTnLst>
+                        <p:par>
+                          <p:cTn id="4" fill="hold">
+                            <p:stCondLst>
+                              <p:cond delay="0"/>
+                            </p:stCondLst>
+                            <p:childTnLst>
+                              <p:par>
+                                <p:cTn id="5" presetID="1" presetClass="mediacall" presetSubtype="0" fill="hold" nodeType="afterEffect">
+                                  <p:stCondLst>
+                                    <p:cond delay="0"/>
+                                  </p:stCondLst>
+                                  <p:childTnLst>
+                                    <p:cmd type="call" cmd="playFrom(0.0)">
+                                      <p:cBhvr>
+                                        <p:cTn id="6" dur="1" fill="hold"/>
+                                        <p:tgtEl>
+                                          <p:spTgt spid="6"/>
+                                        </p:tgtEl>
+                                      </p:cBhvr>
+                                    </p:cmd>
+                                  </p:childTnLst>
+                                </p:cTn>
+                              </p:par>
+                            </p:childTnLst>
+                          </p:cTn>
+                        </p:par>
+                      </p:childTnLst>
+                    </p:cTn>
+                  </p:par>
+                </p:childTnLst>
+              </p:cTn>
+              <p:prevCondLst>
+                <p:cond evt="onPrev" delay="0">
+                  <p:tgtEl>
+                    <p:sldTgt/>
+                  </p:tgtEl>
+                </p:cond>
+              </p:prevCondLst>
+              <p:nextCondLst>
+                <p:cond evt="onNext" delay="0">
+                  <p:tgtEl>
+                    <p:sldTgt/>
+                  </p:tgtEl>
+                </p:cond>
+              </p:nextCondLst>
+            </p:seq>
+            <p:audio isNarration="1">
+              <p:cMediaNode vol="80000" showWhenStopped="0">
+                <p:cTn id="7" fill="hold" display="0">
+                  <p:stCondLst>
+                    <p:cond delay="indefinite"/>
+                  </p:stCondLst>
+                  <p:endCondLst>
+                    <p:cond evt="onStopAudio" delay="0">
+                      <p:tgtEl>
+                        <p:sldTgt/>
+                      </p:tgtEl>
+                    </p:cond>
+                  </p:endCondLst>
+                </p:cTn>
+                <p:tgtEl>
+                  <p:spTgt spid="6"/>
+                </p:tgtEl>
+              </p:cMediaNode>
+            </p:audio>
+          </p:childTnLst>
+        </p:cTn>
+      </p:par>
+    </p:tnLst>
+  </p:timing>
 </p:sld>
 </file>
 
@@ -5778,6 +6434,44 @@
           </a:p>
         </p:txBody>
       </p:sp>
+      <p:pic>
+        <p:nvPicPr>
+          <p:cNvPr id="6" name="Audio 5">
+            <a:hlinkClick r:id="" action="ppaction://media"/>
+            <a:extLst>
+              <a:ext uri="{FF2B5EF4-FFF2-40B4-BE49-F238E27FC236}">
+                <a16:creationId xmlns:a16="http://schemas.microsoft.com/office/drawing/2014/main" id="{9D254F29-5996-9347-8FA6-20107D446C38}"/>
+              </a:ext>
+            </a:extLst>
+          </p:cNvPr>
+          <p:cNvPicPr>
+            <a:picLocks noChangeAspect="1"/>
+          </p:cNvPicPr>
+          <p:nvPr>
+            <a:audioFile r:link="rId2"/>
+            <p:extLst>
+              <p:ext uri="{DAA4B4D4-6D71-4841-9C94-3DE7FCFB9230}">
+                <p14:media xmlns:p14="http://schemas.microsoft.com/office/powerpoint/2010/main" r:embed="rId1"/>
+              </p:ext>
+            </p:extLst>
+          </p:nvPr>
+        </p:nvPicPr>
+        <p:blipFill>
+          <a:blip r:embed="rId4"/>
+          <a:stretch>
+            <a:fillRect/>
+          </a:stretch>
+        </p:blipFill>
+        <p:spPr>
+          <a:xfrm>
+            <a:off x="11226800" y="5892800"/>
+            <a:ext cx="812800" cy="812800"/>
+          </a:xfrm>
+          <a:prstGeom prst="rect">
+            <a:avLst/>
+          </a:prstGeom>
+        </p:spPr>
+      </p:pic>
     </p:spTree>
     <p:extLst>
       <p:ext uri="{BB962C8B-B14F-4D97-AF65-F5344CB8AC3E}">
@@ -5788,6 +6482,101 @@
   <p:clrMapOvr>
     <a:masterClrMapping/>
   </p:clrMapOvr>
+  <mc:AlternateContent xmlns:mc="http://schemas.openxmlformats.org/markup-compatibility/2006">
+    <mc:Choice xmlns:p14="http://schemas.microsoft.com/office/powerpoint/2010/main" Requires="p14">
+      <p:transition spd="slow" p14:dur="2000" advTm="78300"/>
+    </mc:Choice>
+    <mc:Fallback>
+      <p:transition spd="slow" advTm="78300"/>
+    </mc:Fallback>
+  </mc:AlternateContent>
+  <p:timing>
+    <p:tnLst>
+      <p:par>
+        <p:cTn id="1" dur="indefinite" restart="never" nodeType="tmRoot">
+          <p:childTnLst>
+            <p:seq concurrent="1" nextAc="seek">
+              <p:cTn id="2" dur="indefinite" nodeType="mainSeq">
+                <p:childTnLst>
+                  <p:par>
+                    <p:cTn id="3" fill="hold">
+                      <p:stCondLst>
+                        <p:cond delay="indefinite"/>
+                        <p:cond evt="onBegin" delay="0">
+                          <p:tn val="2"/>
+                        </p:cond>
+                      </p:stCondLst>
+                      <p:childTnLst>
+                        <p:par>
+                          <p:cTn id="4" fill="hold">
+                            <p:stCondLst>
+                              <p:cond delay="0"/>
+                            </p:stCondLst>
+                            <p:childTnLst>
+                              <p:par>
+                                <p:cTn id="5" presetID="1" presetClass="mediacall" presetSubtype="0" fill="hold" nodeType="afterEffect">
+                                  <p:stCondLst>
+                                    <p:cond delay="0"/>
+                                  </p:stCondLst>
+                                  <p:childTnLst>
+                                    <p:cmd type="call" cmd="playFrom(0.0)">
+                                      <p:cBhvr>
+                                        <p:cTn id="6" dur="1" fill="hold"/>
+                                        <p:tgtEl>
+                                          <p:spTgt spid="6"/>
+                                        </p:tgtEl>
+                                      </p:cBhvr>
+                                    </p:cmd>
+                                  </p:childTnLst>
+                                </p:cTn>
+                              </p:par>
+                            </p:childTnLst>
+                          </p:cTn>
+                        </p:par>
+                      </p:childTnLst>
+                    </p:cTn>
+                  </p:par>
+                </p:childTnLst>
+              </p:cTn>
+              <p:prevCondLst>
+                <p:cond evt="onPrev" delay="0">
+                  <p:tgtEl>
+                    <p:sldTgt/>
+                  </p:tgtEl>
+                </p:cond>
+              </p:prevCondLst>
+              <p:nextCondLst>
+                <p:cond evt="onNext" delay="0">
+                  <p:tgtEl>
+                    <p:sldTgt/>
+                  </p:tgtEl>
+                </p:cond>
+              </p:nextCondLst>
+            </p:seq>
+            <p:audio isNarration="1">
+              <p:cMediaNode vol="80000" showWhenStopped="0">
+                <p:cTn id="7" fill="hold" display="0">
+                  <p:stCondLst>
+                    <p:cond delay="indefinite"/>
+                  </p:stCondLst>
+                  <p:endCondLst>
+                    <p:cond evt="onStopAudio" delay="0">
+                      <p:tgtEl>
+                        <p:sldTgt/>
+                      </p:tgtEl>
+                    </p:cond>
+                  </p:endCondLst>
+                </p:cTn>
+                <p:tgtEl>
+                  <p:spTgt spid="6"/>
+                </p:tgtEl>
+              </p:cMediaNode>
+            </p:audio>
+          </p:childTnLst>
+        </p:cTn>
+      </p:par>
+    </p:tnLst>
+  </p:timing>
 </p:sld>
 </file>
 
@@ -5853,7 +6642,7 @@
           </p:nvPr>
         </p:nvPicPr>
         <p:blipFill>
-          <a:blip r:embed="rId2"/>
+          <a:blip r:embed="rId4"/>
           <a:stretch>
             <a:fillRect/>
           </a:stretch>
@@ -5930,6 +6719,44 @@
           </a:p>
         </p:txBody>
       </p:sp>
+      <p:pic>
+        <p:nvPicPr>
+          <p:cNvPr id="11" name="Audio 10">
+            <a:hlinkClick r:id="" action="ppaction://media"/>
+            <a:extLst>
+              <a:ext uri="{FF2B5EF4-FFF2-40B4-BE49-F238E27FC236}">
+                <a16:creationId xmlns:a16="http://schemas.microsoft.com/office/drawing/2014/main" id="{5A45D538-F28A-E04A-8478-58835EB5F21A}"/>
+              </a:ext>
+            </a:extLst>
+          </p:cNvPr>
+          <p:cNvPicPr>
+            <a:picLocks noChangeAspect="1"/>
+          </p:cNvPicPr>
+          <p:nvPr>
+            <a:audioFile r:link="rId2"/>
+            <p:extLst>
+              <p:ext uri="{DAA4B4D4-6D71-4841-9C94-3DE7FCFB9230}">
+                <p14:media xmlns:p14="http://schemas.microsoft.com/office/powerpoint/2010/main" r:embed="rId1"/>
+              </p:ext>
+            </p:extLst>
+          </p:nvPr>
+        </p:nvPicPr>
+        <p:blipFill>
+          <a:blip r:embed="rId5"/>
+          <a:stretch>
+            <a:fillRect/>
+          </a:stretch>
+        </p:blipFill>
+        <p:spPr>
+          <a:xfrm>
+            <a:off x="11226800" y="5892800"/>
+            <a:ext cx="812800" cy="812800"/>
+          </a:xfrm>
+          <a:prstGeom prst="rect">
+            <a:avLst/>
+          </a:prstGeom>
+        </p:spPr>
+      </p:pic>
     </p:spTree>
     <p:extLst>
       <p:ext uri="{BB962C8B-B14F-4D97-AF65-F5344CB8AC3E}">
@@ -5940,6 +6767,101 @@
   <p:clrMapOvr>
     <a:masterClrMapping/>
   </p:clrMapOvr>
+  <mc:AlternateContent xmlns:mc="http://schemas.openxmlformats.org/markup-compatibility/2006">
+    <mc:Choice xmlns:p14="http://schemas.microsoft.com/office/powerpoint/2010/main" Requires="p14">
+      <p:transition spd="slow" p14:dur="2000" advTm="76573"/>
+    </mc:Choice>
+    <mc:Fallback>
+      <p:transition spd="slow" advTm="76573"/>
+    </mc:Fallback>
+  </mc:AlternateContent>
+  <p:timing>
+    <p:tnLst>
+      <p:par>
+        <p:cTn id="1" dur="indefinite" restart="never" nodeType="tmRoot">
+          <p:childTnLst>
+            <p:seq concurrent="1" nextAc="seek">
+              <p:cTn id="2" dur="indefinite" nodeType="mainSeq">
+                <p:childTnLst>
+                  <p:par>
+                    <p:cTn id="3" fill="hold">
+                      <p:stCondLst>
+                        <p:cond delay="indefinite"/>
+                        <p:cond evt="onBegin" delay="0">
+                          <p:tn val="2"/>
+                        </p:cond>
+                      </p:stCondLst>
+                      <p:childTnLst>
+                        <p:par>
+                          <p:cTn id="4" fill="hold">
+                            <p:stCondLst>
+                              <p:cond delay="0"/>
+                            </p:stCondLst>
+                            <p:childTnLst>
+                              <p:par>
+                                <p:cTn id="5" presetID="1" presetClass="mediacall" presetSubtype="0" fill="hold" nodeType="afterEffect">
+                                  <p:stCondLst>
+                                    <p:cond delay="0"/>
+                                  </p:stCondLst>
+                                  <p:childTnLst>
+                                    <p:cmd type="call" cmd="playFrom(0.0)">
+                                      <p:cBhvr>
+                                        <p:cTn id="6" dur="1" fill="hold"/>
+                                        <p:tgtEl>
+                                          <p:spTgt spid="11"/>
+                                        </p:tgtEl>
+                                      </p:cBhvr>
+                                    </p:cmd>
+                                  </p:childTnLst>
+                                </p:cTn>
+                              </p:par>
+                            </p:childTnLst>
+                          </p:cTn>
+                        </p:par>
+                      </p:childTnLst>
+                    </p:cTn>
+                  </p:par>
+                </p:childTnLst>
+              </p:cTn>
+              <p:prevCondLst>
+                <p:cond evt="onPrev" delay="0">
+                  <p:tgtEl>
+                    <p:sldTgt/>
+                  </p:tgtEl>
+                </p:cond>
+              </p:prevCondLst>
+              <p:nextCondLst>
+                <p:cond evt="onNext" delay="0">
+                  <p:tgtEl>
+                    <p:sldTgt/>
+                  </p:tgtEl>
+                </p:cond>
+              </p:nextCondLst>
+            </p:seq>
+            <p:audio isNarration="1">
+              <p:cMediaNode vol="80000" showWhenStopped="0">
+                <p:cTn id="7" fill="hold" display="0">
+                  <p:stCondLst>
+                    <p:cond delay="indefinite"/>
+                  </p:stCondLst>
+                  <p:endCondLst>
+                    <p:cond evt="onStopAudio" delay="0">
+                      <p:tgtEl>
+                        <p:sldTgt/>
+                      </p:tgtEl>
+                    </p:cond>
+                  </p:endCondLst>
+                </p:cTn>
+                <p:tgtEl>
+                  <p:spTgt spid="11"/>
+                </p:tgtEl>
+              </p:cMediaNode>
+            </p:audio>
+          </p:childTnLst>
+        </p:cTn>
+      </p:par>
+    </p:tnLst>
+  </p:timing>
 </p:sld>
 </file>
 
@@ -6033,7 +6955,7 @@
           </p:nvPr>
         </p:nvPicPr>
         <p:blipFill>
-          <a:blip r:embed="rId2"/>
+          <a:blip r:embed="rId4"/>
           <a:stretch>
             <a:fillRect/>
           </a:stretch>
@@ -6075,10 +6997,10 @@
       </p:sp>
       <p:pic>
         <p:nvPicPr>
-          <p:cNvPr id="11" name="Content Placeholder 10">
+          <p:cNvPr id="17" name="Content Placeholder 16">
             <a:extLst>
               <a:ext uri="{FF2B5EF4-FFF2-40B4-BE49-F238E27FC236}">
-                <a16:creationId xmlns:a16="http://schemas.microsoft.com/office/drawing/2014/main" id="{C3C9F108-03DA-3643-8E51-47C3D1677D4A}"/>
+                <a16:creationId xmlns:a16="http://schemas.microsoft.com/office/drawing/2014/main" id="{33A993A2-C43D-BD44-B6BF-76AECAB5CE44}"/>
               </a:ext>
             </a:extLst>
           </p:cNvPr>
@@ -6090,7 +7012,7 @@
           </p:nvPr>
         </p:nvPicPr>
         <p:blipFill>
-          <a:blip r:embed="rId3"/>
+          <a:blip r:embed="rId5"/>
           <a:stretch>
             <a:fillRect/>
           </a:stretch>
@@ -6100,6 +7022,44 @@
             <a:off x="6696273" y="2851150"/>
             <a:ext cx="3839766" cy="3071813"/>
           </a:xfrm>
+        </p:spPr>
+      </p:pic>
+      <p:pic>
+        <p:nvPicPr>
+          <p:cNvPr id="18" name="Audio 17">
+            <a:hlinkClick r:id="" action="ppaction://media"/>
+            <a:extLst>
+              <a:ext uri="{FF2B5EF4-FFF2-40B4-BE49-F238E27FC236}">
+                <a16:creationId xmlns:a16="http://schemas.microsoft.com/office/drawing/2014/main" id="{8739C1B9-CE31-A445-A79C-A9997270EA92}"/>
+              </a:ext>
+            </a:extLst>
+          </p:cNvPr>
+          <p:cNvPicPr>
+            <a:picLocks noChangeAspect="1"/>
+          </p:cNvPicPr>
+          <p:nvPr>
+            <a:audioFile r:link="rId2"/>
+            <p:extLst>
+              <p:ext uri="{DAA4B4D4-6D71-4841-9C94-3DE7FCFB9230}">
+                <p14:media xmlns:p14="http://schemas.microsoft.com/office/powerpoint/2010/main" r:embed="rId1"/>
+              </p:ext>
+            </p:extLst>
+          </p:nvPr>
+        </p:nvPicPr>
+        <p:blipFill>
+          <a:blip r:embed="rId6"/>
+          <a:stretch>
+            <a:fillRect/>
+          </a:stretch>
+        </p:blipFill>
+        <p:spPr>
+          <a:xfrm>
+            <a:off x="11226800" y="5892800"/>
+            <a:ext cx="812800" cy="812800"/>
+          </a:xfrm>
+          <a:prstGeom prst="rect">
+            <a:avLst/>
+          </a:prstGeom>
         </p:spPr>
       </p:pic>
     </p:spTree>
@@ -6112,6 +7072,101 @@
   <p:clrMapOvr>
     <a:masterClrMapping/>
   </p:clrMapOvr>
+  <mc:AlternateContent xmlns:mc="http://schemas.openxmlformats.org/markup-compatibility/2006">
+    <mc:Choice xmlns:p14="http://schemas.microsoft.com/office/powerpoint/2010/main" Requires="p14">
+      <p:transition spd="slow" p14:dur="2000" advTm="57723"/>
+    </mc:Choice>
+    <mc:Fallback>
+      <p:transition spd="slow" advTm="57723"/>
+    </mc:Fallback>
+  </mc:AlternateContent>
+  <p:timing>
+    <p:tnLst>
+      <p:par>
+        <p:cTn id="1" dur="indefinite" restart="never" nodeType="tmRoot">
+          <p:childTnLst>
+            <p:seq concurrent="1" nextAc="seek">
+              <p:cTn id="2" dur="indefinite" nodeType="mainSeq">
+                <p:childTnLst>
+                  <p:par>
+                    <p:cTn id="3" fill="hold">
+                      <p:stCondLst>
+                        <p:cond delay="indefinite"/>
+                        <p:cond evt="onBegin" delay="0">
+                          <p:tn val="2"/>
+                        </p:cond>
+                      </p:stCondLst>
+                      <p:childTnLst>
+                        <p:par>
+                          <p:cTn id="4" fill="hold">
+                            <p:stCondLst>
+                              <p:cond delay="0"/>
+                            </p:stCondLst>
+                            <p:childTnLst>
+                              <p:par>
+                                <p:cTn id="5" presetID="1" presetClass="mediacall" presetSubtype="0" fill="hold" nodeType="afterEffect">
+                                  <p:stCondLst>
+                                    <p:cond delay="0"/>
+                                  </p:stCondLst>
+                                  <p:childTnLst>
+                                    <p:cmd type="call" cmd="playFrom(0.0)">
+                                      <p:cBhvr>
+                                        <p:cTn id="6" dur="1" fill="hold"/>
+                                        <p:tgtEl>
+                                          <p:spTgt spid="18"/>
+                                        </p:tgtEl>
+                                      </p:cBhvr>
+                                    </p:cmd>
+                                  </p:childTnLst>
+                                </p:cTn>
+                              </p:par>
+                            </p:childTnLst>
+                          </p:cTn>
+                        </p:par>
+                      </p:childTnLst>
+                    </p:cTn>
+                  </p:par>
+                </p:childTnLst>
+              </p:cTn>
+              <p:prevCondLst>
+                <p:cond evt="onPrev" delay="0">
+                  <p:tgtEl>
+                    <p:sldTgt/>
+                  </p:tgtEl>
+                </p:cond>
+              </p:prevCondLst>
+              <p:nextCondLst>
+                <p:cond evt="onNext" delay="0">
+                  <p:tgtEl>
+                    <p:sldTgt/>
+                  </p:tgtEl>
+                </p:cond>
+              </p:nextCondLst>
+            </p:seq>
+            <p:audio isNarration="1">
+              <p:cMediaNode vol="80000" showWhenStopped="0">
+                <p:cTn id="7" fill="hold" display="0">
+                  <p:stCondLst>
+                    <p:cond delay="indefinite"/>
+                  </p:stCondLst>
+                  <p:endCondLst>
+                    <p:cond evt="onStopAudio" delay="0">
+                      <p:tgtEl>
+                        <p:sldTgt/>
+                      </p:tgtEl>
+                    </p:cond>
+                  </p:endCondLst>
+                </p:cTn>
+                <p:tgtEl>
+                  <p:spTgt spid="18"/>
+                </p:tgtEl>
+              </p:cMediaNode>
+            </p:audio>
+          </p:childTnLst>
+        </p:cTn>
+      </p:par>
+    </p:tnLst>
+  </p:timing>
 </p:sld>
 </file>
 
@@ -6237,6 +7292,44 @@
           </a:p>
         </p:txBody>
       </p:sp>
+      <p:pic>
+        <p:nvPicPr>
+          <p:cNvPr id="11" name="Audio 10">
+            <a:hlinkClick r:id="" action="ppaction://media"/>
+            <a:extLst>
+              <a:ext uri="{FF2B5EF4-FFF2-40B4-BE49-F238E27FC236}">
+                <a16:creationId xmlns:a16="http://schemas.microsoft.com/office/drawing/2014/main" id="{64B9ECA4-B9DF-F44B-93E8-03AB029F36C8}"/>
+              </a:ext>
+            </a:extLst>
+          </p:cNvPr>
+          <p:cNvPicPr>
+            <a:picLocks noChangeAspect="1"/>
+          </p:cNvPicPr>
+          <p:nvPr>
+            <a:audioFile r:link="rId2"/>
+            <p:extLst>
+              <p:ext uri="{DAA4B4D4-6D71-4841-9C94-3DE7FCFB9230}">
+                <p14:media xmlns:p14="http://schemas.microsoft.com/office/powerpoint/2010/main" r:embed="rId1"/>
+              </p:ext>
+            </p:extLst>
+          </p:nvPr>
+        </p:nvPicPr>
+        <p:blipFill>
+          <a:blip r:embed="rId4"/>
+          <a:stretch>
+            <a:fillRect/>
+          </a:stretch>
+        </p:blipFill>
+        <p:spPr>
+          <a:xfrm>
+            <a:off x="11226800" y="5892800"/>
+            <a:ext cx="812800" cy="812800"/>
+          </a:xfrm>
+          <a:prstGeom prst="rect">
+            <a:avLst/>
+          </a:prstGeom>
+        </p:spPr>
+      </p:pic>
     </p:spTree>
     <p:extLst>
       <p:ext uri="{BB962C8B-B14F-4D97-AF65-F5344CB8AC3E}">
@@ -6247,6 +7340,101 @@
   <p:clrMapOvr>
     <a:masterClrMapping/>
   </p:clrMapOvr>
+  <mc:AlternateContent xmlns:mc="http://schemas.openxmlformats.org/markup-compatibility/2006">
+    <mc:Choice xmlns:p14="http://schemas.microsoft.com/office/powerpoint/2010/main" Requires="p14">
+      <p:transition spd="slow" p14:dur="2000" advTm="147802"/>
+    </mc:Choice>
+    <mc:Fallback>
+      <p:transition spd="slow" advTm="147802"/>
+    </mc:Fallback>
+  </mc:AlternateContent>
+  <p:timing>
+    <p:tnLst>
+      <p:par>
+        <p:cTn id="1" dur="indefinite" restart="never" nodeType="tmRoot">
+          <p:childTnLst>
+            <p:seq concurrent="1" nextAc="seek">
+              <p:cTn id="2" dur="indefinite" nodeType="mainSeq">
+                <p:childTnLst>
+                  <p:par>
+                    <p:cTn id="3" fill="hold">
+                      <p:stCondLst>
+                        <p:cond delay="indefinite"/>
+                        <p:cond evt="onBegin" delay="0">
+                          <p:tn val="2"/>
+                        </p:cond>
+                      </p:stCondLst>
+                      <p:childTnLst>
+                        <p:par>
+                          <p:cTn id="4" fill="hold">
+                            <p:stCondLst>
+                              <p:cond delay="0"/>
+                            </p:stCondLst>
+                            <p:childTnLst>
+                              <p:par>
+                                <p:cTn id="5" presetID="1" presetClass="mediacall" presetSubtype="0" fill="hold" nodeType="afterEffect">
+                                  <p:stCondLst>
+                                    <p:cond delay="0"/>
+                                  </p:stCondLst>
+                                  <p:childTnLst>
+                                    <p:cmd type="call" cmd="playFrom(0.0)">
+                                      <p:cBhvr>
+                                        <p:cTn id="6" dur="1" fill="hold"/>
+                                        <p:tgtEl>
+                                          <p:spTgt spid="11"/>
+                                        </p:tgtEl>
+                                      </p:cBhvr>
+                                    </p:cmd>
+                                  </p:childTnLst>
+                                </p:cTn>
+                              </p:par>
+                            </p:childTnLst>
+                          </p:cTn>
+                        </p:par>
+                      </p:childTnLst>
+                    </p:cTn>
+                  </p:par>
+                </p:childTnLst>
+              </p:cTn>
+              <p:prevCondLst>
+                <p:cond evt="onPrev" delay="0">
+                  <p:tgtEl>
+                    <p:sldTgt/>
+                  </p:tgtEl>
+                </p:cond>
+              </p:prevCondLst>
+              <p:nextCondLst>
+                <p:cond evt="onNext" delay="0">
+                  <p:tgtEl>
+                    <p:sldTgt/>
+                  </p:tgtEl>
+                </p:cond>
+              </p:nextCondLst>
+            </p:seq>
+            <p:audio isNarration="1">
+              <p:cMediaNode vol="80000" showWhenStopped="0">
+                <p:cTn id="7" fill="hold" display="0">
+                  <p:stCondLst>
+                    <p:cond delay="indefinite"/>
+                  </p:stCondLst>
+                  <p:endCondLst>
+                    <p:cond evt="onStopAudio" delay="0">
+                      <p:tgtEl>
+                        <p:sldTgt/>
+                      </p:tgtEl>
+                    </p:cond>
+                  </p:endCondLst>
+                </p:cTn>
+                <p:tgtEl>
+                  <p:spTgt spid="11"/>
+                </p:tgtEl>
+              </p:cMediaNode>
+            </p:audio>
+          </p:childTnLst>
+        </p:cTn>
+      </p:par>
+    </p:tnLst>
+  </p:timing>
 </p:sld>
 </file>
 
